--- a/static/0.pptx
+++ b/static/0.pptx
@@ -1,6 +1,6 @@
 
 <file path=ppt/presentation.xml><?xml version="1.0" encoding="utf-8"?>
-<p:presentation xmlns:a="http://schemas.openxmlformats.org/drawingml/2006/main" xmlns:r="http://schemas.openxmlformats.org/officeDocument/2006/relationships" xmlns:p="http://schemas.openxmlformats.org/presentationml/2006/main" saveSubsetFonts="1">
+<p:presentation xmlns:a="http://schemas.openxmlformats.org/drawingml/2006/main" xmlns:r="http://schemas.openxmlformats.org/officeDocument/2006/relationships" xmlns:p="http://schemas.openxmlformats.org/presentationml/2006/main">
   <p:sldMasterIdLst>
     <p:sldMasterId id="2147483648" r:id="rId1"/>
   </p:sldMasterIdLst>
@@ -143,7 +143,9 @@
           </a:xfrm>
         </p:spPr>
         <p:txBody>
-          <a:bodyPr anchor="b"/>
+          <a:bodyPr anchor="b">
+            <a:normAutofit/>
+          </a:bodyPr>
           <a:lstStyle>
             <a:lvl1pPr algn="ctr">
               <a:defRPr sz="6000"/>
@@ -151,10 +153,9 @@
           </a:lstStyle>
           <a:p>
             <a:r>
-              <a:rPr lang="en-US"/>
+              <a:rPr lang="en-US" dirty="0"/>
               <a:t>Click to edit Master title style</a:t>
             </a:r>
-            <a:endParaRPr lang="en-IN"/>
           </a:p>
         </p:txBody>
       </p:sp>
@@ -219,7 +220,6 @@
               <a:rPr lang="en-US"/>
               <a:t>Click to edit Master subtitle style</a:t>
             </a:r>
-            <a:endParaRPr lang="en-IN"/>
           </a:p>
         </p:txBody>
       </p:sp>
@@ -238,11 +238,11 @@
           <a:bodyPr/>
           <a:lstStyle/>
           <a:p>
-            <a:fld id="{3B6260DF-57CB-4FAC-BA45-2356FBD50F32}" type="datetimeFigureOut">
-              <a:rPr lang="en-IN" smtClean="0"/>
-              <a:t>14-06-2021</a:t>
+            <a:fld id="{63A1C593-65D0-4073-BCC9-577B9352EA97}" type="datetimeFigureOut">
+              <a:rPr lang="en-US" smtClean="0"/>
+              <a:t>6/29/2021</a:t>
             </a:fld>
-            <a:endParaRPr lang="en-IN"/>
+            <a:endParaRPr lang="en-US"/>
           </a:p>
         </p:txBody>
       </p:sp>
@@ -261,7 +261,7 @@
           <a:bodyPr/>
           <a:lstStyle/>
           <a:p>
-            <a:endParaRPr lang="en-IN"/>
+            <a:endParaRPr lang="en-US"/>
           </a:p>
         </p:txBody>
       </p:sp>
@@ -280,24 +280,26 @@
           <a:bodyPr/>
           <a:lstStyle/>
           <a:p>
-            <a:fld id="{2C316018-F840-4B40-9678-34BD618CC97B}" type="slidenum">
-              <a:rPr lang="en-IN" smtClean="0"/>
+            <a:fld id="{9B618960-8005-486C-9A75-10CB2AAC16F9}" type="slidenum">
+              <a:rPr lang="en-US" smtClean="0"/>
               <a:t>‹#›</a:t>
             </a:fld>
-            <a:endParaRPr lang="en-IN"/>
+            <a:endParaRPr lang="en-US"/>
           </a:p>
         </p:txBody>
       </p:sp>
     </p:spTree>
-    <p:extLst>
-      <p:ext uri="{BB962C8B-B14F-4D97-AF65-F5344CB8AC3E}">
-        <p14:creationId xmlns:p14="http://schemas.microsoft.com/office/powerpoint/2010/main" val="3140097714"/>
-      </p:ext>
-    </p:extLst>
   </p:cSld>
   <p:clrMapOvr>
-    <a:masterClrMapping/>
+    <a:overrideClrMapping bg1="lt1" tx1="dk1" bg2="lt2" tx2="dk2" accent1="accent1" accent2="accent2" accent3="accent3" accent4="accent4" accent5="accent5" accent6="accent6" hlink="hlink" folHlink="folHlink"/>
   </p:clrMapOvr>
+  <p:timing>
+    <p:tnLst>
+      <p:par>
+        <p:cTn id="1" dur="indefinite" restart="never" nodeType="tmRoot"/>
+      </p:par>
+    </p:tnLst>
+  </p:timing>
 </p:sldLayout>
 </file>
 
@@ -334,10 +336,9 @@
           <a:lstStyle/>
           <a:p>
             <a:r>
-              <a:rPr lang="en-US"/>
+              <a:rPr lang="en-US" dirty="0"/>
               <a:t>Click to edit Master title style</a:t>
             </a:r>
-            <a:endParaRPr lang="en-IN"/>
           </a:p>
         </p:txBody>
       </p:sp>
@@ -356,11 +357,11 @@
           <a:bodyPr/>
           <a:lstStyle/>
           <a:p>
-            <a:fld id="{3B6260DF-57CB-4FAC-BA45-2356FBD50F32}" type="datetimeFigureOut">
-              <a:rPr lang="en-IN" smtClean="0"/>
-              <a:t>14-06-2021</a:t>
+            <a:fld id="{63A1C593-65D0-4073-BCC9-577B9352EA97}" type="datetimeFigureOut">
+              <a:rPr lang="en-US" smtClean="0"/>
+              <a:t>6/29/2021</a:t>
             </a:fld>
-            <a:endParaRPr lang="en-IN"/>
+            <a:endParaRPr lang="en-US"/>
           </a:p>
         </p:txBody>
       </p:sp>
@@ -379,7 +380,7 @@
           <a:bodyPr/>
           <a:lstStyle/>
           <a:p>
-            <a:endParaRPr lang="en-IN"/>
+            <a:endParaRPr lang="en-US"/>
           </a:p>
         </p:txBody>
       </p:sp>
@@ -398,17 +399,17 @@
           <a:bodyPr/>
           <a:lstStyle/>
           <a:p>
-            <a:fld id="{2C316018-F840-4B40-9678-34BD618CC97B}" type="slidenum">
-              <a:rPr lang="en-IN" smtClean="0"/>
+            <a:fld id="{9B618960-8005-486C-9A75-10CB2AAC16F9}" type="slidenum">
+              <a:rPr lang="en-US" smtClean="0"/>
               <a:t>‹#›</a:t>
             </a:fld>
-            <a:endParaRPr lang="en-IN"/>
-          </a:p>
-        </p:txBody>
-      </p:sp>
-      <p:sp>
-        <p:nvSpPr>
-          <p:cNvPr id="8" name="Text Placeholder 7"/>
+            <a:endParaRPr lang="en-US"/>
+          </a:p>
+        </p:txBody>
+      </p:sp>
+      <p:sp>
+        <p:nvSpPr>
+          <p:cNvPr id="7" name="Text Placeholder 6"/>
           <p:cNvSpPr>
             <a:spLocks noGrp="1"/>
           </p:cNvSpPr>
@@ -418,8 +419,8 @@
         </p:nvSpPr>
         <p:spPr>
           <a:xfrm>
-            <a:off x="838200" y="1819275"/>
-            <a:ext cx="10515600" cy="4370388"/>
+            <a:off x="838200" y="1792288"/>
+            <a:ext cx="10515600" cy="4392612"/>
           </a:xfrm>
         </p:spPr>
         <p:txBody>
@@ -464,15 +465,17 @@
         </p:txBody>
       </p:sp>
     </p:spTree>
-    <p:extLst>
-      <p:ext uri="{BB962C8B-B14F-4D97-AF65-F5344CB8AC3E}">
-        <p14:creationId xmlns:p14="http://schemas.microsoft.com/office/powerpoint/2010/main" val="2880012229"/>
-      </p:ext>
-    </p:extLst>
   </p:cSld>
   <p:clrMapOvr>
     <a:masterClrMapping/>
   </p:clrMapOvr>
+  <p:timing>
+    <p:tnLst>
+      <p:par>
+        <p:cTn id="1" dur="indefinite" restart="never" nodeType="tmRoot"/>
+      </p:par>
+    </p:tnLst>
+  </p:timing>
 </p:sldLayout>
 </file>
 
@@ -509,10 +512,9 @@
           <a:lstStyle/>
           <a:p>
             <a:r>
-              <a:rPr lang="en-US"/>
+              <a:rPr lang="en-US" dirty="0"/>
               <a:t>Click to edit Master title style</a:t>
             </a:r>
-            <a:endParaRPr lang="en-IN"/>
           </a:p>
         </p:txBody>
       </p:sp>
@@ -531,11 +533,11 @@
           <a:bodyPr/>
           <a:lstStyle/>
           <a:p>
-            <a:fld id="{3B6260DF-57CB-4FAC-BA45-2356FBD50F32}" type="datetimeFigureOut">
-              <a:rPr lang="en-IN" smtClean="0"/>
-              <a:t>14-06-2021</a:t>
+            <a:fld id="{63A1C593-65D0-4073-BCC9-577B9352EA97}" type="datetimeFigureOut">
+              <a:rPr lang="en-US" smtClean="0"/>
+              <a:t>6/29/2021</a:t>
             </a:fld>
-            <a:endParaRPr lang="en-IN"/>
+            <a:endParaRPr lang="en-US"/>
           </a:p>
         </p:txBody>
       </p:sp>
@@ -554,7 +556,7 @@
           <a:bodyPr/>
           <a:lstStyle/>
           <a:p>
-            <a:endParaRPr lang="en-IN"/>
+            <a:endParaRPr lang="en-US"/>
           </a:p>
         </p:txBody>
       </p:sp>
@@ -573,11 +575,11 @@
           <a:bodyPr/>
           <a:lstStyle/>
           <a:p>
-            <a:fld id="{2C316018-F840-4B40-9678-34BD618CC97B}" type="slidenum">
-              <a:rPr lang="en-IN" smtClean="0"/>
+            <a:fld id="{9B618960-8005-486C-9A75-10CB2AAC16F9}" type="slidenum">
+              <a:rPr lang="en-US" smtClean="0"/>
               <a:t>‹#›</a:t>
             </a:fld>
-            <a:endParaRPr lang="en-IN"/>
+            <a:endParaRPr lang="en-US"/>
           </a:p>
         </p:txBody>
       </p:sp>
@@ -594,7 +596,7 @@
         <p:spPr>
           <a:xfrm>
             <a:off x="838200" y="1825625"/>
-            <a:ext cx="5157788" cy="4351338"/>
+            <a:ext cx="5194300" cy="4351338"/>
           </a:xfrm>
         </p:spPr>
         <p:txBody>
@@ -650,8 +652,8 @@
         </p:nvSpPr>
         <p:spPr>
           <a:xfrm>
-            <a:off x="6218238" y="1825625"/>
-            <a:ext cx="5135562" cy="4351338"/>
+            <a:off x="6140450" y="1825625"/>
+            <a:ext cx="5213350" cy="4351338"/>
           </a:xfrm>
         </p:spPr>
         <p:txBody>
@@ -696,15 +698,17 @@
         </p:txBody>
       </p:sp>
     </p:spTree>
-    <p:extLst>
-      <p:ext uri="{BB962C8B-B14F-4D97-AF65-F5344CB8AC3E}">
-        <p14:creationId xmlns:p14="http://schemas.microsoft.com/office/powerpoint/2010/main" val="146853084"/>
-      </p:ext>
-    </p:extLst>
   </p:cSld>
   <p:clrMapOvr>
     <a:masterClrMapping/>
   </p:clrMapOvr>
+  <p:timing>
+    <p:tnLst>
+      <p:par>
+        <p:cTn id="1" dur="indefinite" restart="never" nodeType="tmRoot"/>
+      </p:par>
+    </p:tnLst>
+  </p:timing>
 </p:sldLayout>
 </file>
 
@@ -740,11 +744,11 @@
           <a:bodyPr/>
           <a:lstStyle/>
           <a:p>
-            <a:fld id="{3B6260DF-57CB-4FAC-BA45-2356FBD50F32}" type="datetimeFigureOut">
-              <a:rPr lang="en-IN" smtClean="0"/>
-              <a:t>14-06-2021</a:t>
+            <a:fld id="{63A1C593-65D0-4073-BCC9-577B9352EA97}" type="datetimeFigureOut">
+              <a:rPr lang="en-US" smtClean="0"/>
+              <a:t>6/29/2021</a:t>
             </a:fld>
-            <a:endParaRPr lang="en-IN"/>
+            <a:endParaRPr lang="en-US"/>
           </a:p>
         </p:txBody>
       </p:sp>
@@ -763,7 +767,7 @@
           <a:bodyPr/>
           <a:lstStyle/>
           <a:p>
-            <a:endParaRPr lang="en-IN"/>
+            <a:endParaRPr lang="en-US"/>
           </a:p>
         </p:txBody>
       </p:sp>
@@ -782,11 +786,11 @@
           <a:bodyPr/>
           <a:lstStyle/>
           <a:p>
-            <a:fld id="{2C316018-F840-4B40-9678-34BD618CC97B}" type="slidenum">
-              <a:rPr lang="en-IN" smtClean="0"/>
+            <a:fld id="{9B618960-8005-486C-9A75-10CB2AAC16F9}" type="slidenum">
+              <a:rPr lang="en-US" smtClean="0"/>
               <a:t>‹#›</a:t>
             </a:fld>
-            <a:endParaRPr lang="en-IN"/>
+            <a:endParaRPr lang="en-US"/>
           </a:p>
         </p:txBody>
       </p:sp>
@@ -802,8 +806,8 @@
         </p:nvSpPr>
         <p:spPr>
           <a:xfrm>
-            <a:off x="838200" y="374650"/>
-            <a:ext cx="10515600" cy="5784850"/>
+            <a:off x="838200" y="277813"/>
+            <a:ext cx="10515600" cy="5835650"/>
           </a:xfrm>
         </p:spPr>
         <p:txBody>
@@ -848,15 +852,17 @@
         </p:txBody>
       </p:sp>
     </p:spTree>
-    <p:extLst>
-      <p:ext uri="{BB962C8B-B14F-4D97-AF65-F5344CB8AC3E}">
-        <p14:creationId xmlns:p14="http://schemas.microsoft.com/office/powerpoint/2010/main" val="872625570"/>
-      </p:ext>
-    </p:extLst>
   </p:cSld>
   <p:clrMapOvr>
     <a:masterClrMapping/>
   </p:clrMapOvr>
+  <p:timing>
+    <p:tnLst>
+      <p:par>
+        <p:cTn id="1" dur="indefinite" restart="never" nodeType="tmRoot"/>
+      </p:par>
+    </p:tnLst>
+  </p:timing>
 </p:sldLayout>
 </file>
 
@@ -889,8 +895,8 @@
         </p:nvSpPr>
         <p:spPr>
           <a:xfrm>
-            <a:off x="839789" y="457200"/>
-            <a:ext cx="10514012" cy="996215"/>
+            <a:off x="839788" y="457200"/>
+            <a:ext cx="10514011" cy="1004047"/>
           </a:xfrm>
         </p:spPr>
         <p:txBody>
@@ -905,7 +911,6 @@
               <a:rPr lang="en-US" dirty="0"/>
               <a:t>Click to edit Master title style</a:t>
             </a:r>
-            <a:endParaRPr lang="en-IN" dirty="0"/>
           </a:p>
         </p:txBody>
       </p:sp>
@@ -921,8 +926,8 @@
         </p:nvSpPr>
         <p:spPr>
           <a:xfrm>
-            <a:off x="7834964" y="3099335"/>
-            <a:ext cx="3520424" cy="2156059"/>
+            <a:off x="7000568" y="1676774"/>
+            <a:ext cx="5011993" cy="4360232"/>
           </a:xfrm>
         </p:spPr>
         <p:txBody>
@@ -966,7 +971,7 @@
             </a:lvl9pPr>
           </a:lstStyle>
           <a:p>
-            <a:endParaRPr lang="en-IN"/>
+            <a:endParaRPr lang="en-US" dirty="0"/>
           </a:p>
         </p:txBody>
       </p:sp>
@@ -985,11 +990,11 @@
           <a:bodyPr/>
           <a:lstStyle/>
           <a:p>
-            <a:fld id="{3B6260DF-57CB-4FAC-BA45-2356FBD50F32}" type="datetimeFigureOut">
-              <a:rPr lang="en-IN" smtClean="0"/>
-              <a:t>14-06-2021</a:t>
+            <a:fld id="{63A1C593-65D0-4073-BCC9-577B9352EA97}" type="datetimeFigureOut">
+              <a:rPr lang="en-US" smtClean="0"/>
+              <a:t>6/29/2021</a:t>
             </a:fld>
-            <a:endParaRPr lang="en-IN"/>
+            <a:endParaRPr lang="en-US"/>
           </a:p>
         </p:txBody>
       </p:sp>
@@ -1008,7 +1013,7 @@
           <a:bodyPr/>
           <a:lstStyle/>
           <a:p>
-            <a:endParaRPr lang="en-IN"/>
+            <a:endParaRPr lang="en-US"/>
           </a:p>
         </p:txBody>
       </p:sp>
@@ -1027,11 +1032,11 @@
           <a:bodyPr/>
           <a:lstStyle/>
           <a:p>
-            <a:fld id="{2C316018-F840-4B40-9678-34BD618CC97B}" type="slidenum">
-              <a:rPr lang="en-IN" smtClean="0"/>
+            <a:fld id="{9B618960-8005-486C-9A75-10CB2AAC16F9}" type="slidenum">
+              <a:rPr lang="en-US" smtClean="0"/>
               <a:t>‹#›</a:t>
             </a:fld>
-            <a:endParaRPr lang="en-IN"/>
+            <a:endParaRPr lang="en-US"/>
           </a:p>
         </p:txBody>
       </p:sp>
@@ -1047,8 +1052,8 @@
         </p:nvSpPr>
         <p:spPr>
           <a:xfrm>
-            <a:off x="838200" y="1636713"/>
-            <a:ext cx="6765925" cy="4484687"/>
+            <a:off x="179439" y="1676773"/>
+            <a:ext cx="6665913" cy="4464050"/>
           </a:xfrm>
         </p:spPr>
         <p:txBody>
@@ -1057,55 +1062,512 @@
           <a:p>
             <a:pPr lvl="0"/>
             <a:r>
-              <a:rPr lang="en-US"/>
+              <a:rPr lang="en-US" dirty="0"/>
               <a:t>Click to edit Master text styles</a:t>
             </a:r>
           </a:p>
           <a:p>
             <a:pPr lvl="1"/>
             <a:r>
-              <a:rPr lang="en-US"/>
+              <a:rPr lang="en-US" dirty="0"/>
               <a:t>Second level</a:t>
             </a:r>
           </a:p>
           <a:p>
             <a:pPr lvl="2"/>
             <a:r>
-              <a:rPr lang="en-US"/>
+              <a:rPr lang="en-US" dirty="0"/>
               <a:t>Third level</a:t>
             </a:r>
           </a:p>
           <a:p>
             <a:pPr lvl="3"/>
             <a:r>
-              <a:rPr lang="en-US"/>
+              <a:rPr lang="en-US" dirty="0"/>
               <a:t>Fourth level</a:t>
             </a:r>
           </a:p>
           <a:p>
             <a:pPr lvl="4"/>
             <a:r>
-              <a:rPr lang="en-US"/>
+              <a:rPr lang="en-US" dirty="0"/>
               <a:t>Fifth level</a:t>
             </a:r>
-            <a:endParaRPr lang="en-IN"/>
+            <a:endParaRPr lang="en-IN" dirty="0"/>
+          </a:p>
+        </p:txBody>
+      </p:sp>
+    </p:spTree>
+  </p:cSld>
+  <p:clrMapOvr>
+    <a:masterClrMapping/>
+  </p:clrMapOvr>
+  <p:timing>
+    <p:tnLst>
+      <p:par>
+        <p:cTn id="1" dur="indefinite" restart="never" nodeType="tmRoot"/>
+      </p:par>
+    </p:tnLst>
+  </p:timing>
+</p:sldLayout>
+</file>
+
+<file path=ppt/slideLayouts/slideLayout6.xml><?xml version="1.0" encoding="utf-8"?>
+<p:sldLayout xmlns:a="http://schemas.openxmlformats.org/drawingml/2006/main" xmlns:r="http://schemas.openxmlformats.org/officeDocument/2006/relationships" xmlns:p="http://schemas.openxmlformats.org/presentationml/2006/main" preserve="1" userDrawn="1">
+  <p:cSld name="1_Picture with Caption">
+    <p:spTree>
+      <p:nvGrpSpPr>
+        <p:cNvPr id="1" name=""/>
+        <p:cNvGrpSpPr/>
+        <p:nvPr/>
+      </p:nvGrpSpPr>
+      <p:grpSpPr>
+        <a:xfrm>
+          <a:off x="0" y="0"/>
+          <a:ext cx="0" cy="0"/>
+          <a:chOff x="0" y="0"/>
+          <a:chExt cx="0" cy="0"/>
+        </a:xfrm>
+      </p:grpSpPr>
+      <p:sp>
+        <p:nvSpPr>
+          <p:cNvPr id="2" name="Title 1"/>
+          <p:cNvSpPr>
+            <a:spLocks noGrp="1"/>
+          </p:cNvSpPr>
+          <p:nvPr>
+            <p:ph type="title"/>
+          </p:nvPr>
+        </p:nvSpPr>
+        <p:spPr>
+          <a:xfrm>
+            <a:off x="721801" y="136525"/>
+            <a:ext cx="10514011" cy="1004047"/>
+          </a:xfrm>
+        </p:spPr>
+        <p:txBody>
+          <a:bodyPr anchor="b"/>
+          <a:lstStyle>
+            <a:lvl1pPr>
+              <a:defRPr sz="3200"/>
+            </a:lvl1pPr>
+          </a:lstStyle>
+          <a:p>
+            <a:r>
+              <a:rPr lang="en-US" dirty="0"/>
+              <a:t>Click to edit Master title style</a:t>
+            </a:r>
+          </a:p>
+        </p:txBody>
+      </p:sp>
+      <p:sp>
+        <p:nvSpPr>
+          <p:cNvPr id="3" name="Picture Placeholder 2"/>
+          <p:cNvSpPr>
+            <a:spLocks noGrp="1"/>
+          </p:cNvSpPr>
+          <p:nvPr>
+            <p:ph type="pic" idx="1"/>
+          </p:nvPr>
+        </p:nvSpPr>
+        <p:spPr>
+          <a:xfrm>
+            <a:off x="425247" y="1445342"/>
+            <a:ext cx="10928553" cy="4591664"/>
+          </a:xfrm>
+        </p:spPr>
+        <p:txBody>
+          <a:bodyPr/>
+          <a:lstStyle>
+            <a:lvl1pPr marL="0" indent="0">
+              <a:buNone/>
+              <a:defRPr sz="3200"/>
+            </a:lvl1pPr>
+            <a:lvl2pPr marL="457200" indent="0">
+              <a:buNone/>
+              <a:defRPr sz="2800"/>
+            </a:lvl2pPr>
+            <a:lvl3pPr marL="914400" indent="0">
+              <a:buNone/>
+              <a:defRPr sz="2400"/>
+            </a:lvl3pPr>
+            <a:lvl4pPr marL="1371600" indent="0">
+              <a:buNone/>
+              <a:defRPr sz="2000"/>
+            </a:lvl4pPr>
+            <a:lvl5pPr marL="1828800" indent="0">
+              <a:buNone/>
+              <a:defRPr sz="2000"/>
+            </a:lvl5pPr>
+            <a:lvl6pPr marL="2286000" indent="0">
+              <a:buNone/>
+              <a:defRPr sz="2000"/>
+            </a:lvl6pPr>
+            <a:lvl7pPr marL="2743200" indent="0">
+              <a:buNone/>
+              <a:defRPr sz="2000"/>
+            </a:lvl7pPr>
+            <a:lvl8pPr marL="3200400" indent="0">
+              <a:buNone/>
+              <a:defRPr sz="2000"/>
+            </a:lvl8pPr>
+            <a:lvl9pPr marL="3657600" indent="0">
+              <a:buNone/>
+              <a:defRPr sz="2000"/>
+            </a:lvl9pPr>
+          </a:lstStyle>
+          <a:p>
+            <a:endParaRPr lang="en-US" dirty="0"/>
+          </a:p>
+        </p:txBody>
+      </p:sp>
+      <p:sp>
+        <p:nvSpPr>
+          <p:cNvPr id="5" name="Date Placeholder 4"/>
+          <p:cNvSpPr>
+            <a:spLocks noGrp="1"/>
+          </p:cNvSpPr>
+          <p:nvPr>
+            <p:ph type="dt" sz="half" idx="10"/>
+          </p:nvPr>
+        </p:nvSpPr>
+        <p:spPr/>
+        <p:txBody>
+          <a:bodyPr/>
+          <a:lstStyle/>
+          <a:p>
+            <a:fld id="{63A1C593-65D0-4073-BCC9-577B9352EA97}" type="datetimeFigureOut">
+              <a:rPr lang="en-US" smtClean="0"/>
+              <a:t>6/29/2021</a:t>
+            </a:fld>
+            <a:endParaRPr lang="en-US"/>
+          </a:p>
+        </p:txBody>
+      </p:sp>
+      <p:sp>
+        <p:nvSpPr>
+          <p:cNvPr id="6" name="Footer Placeholder 5"/>
+          <p:cNvSpPr>
+            <a:spLocks noGrp="1"/>
+          </p:cNvSpPr>
+          <p:nvPr>
+            <p:ph type="ftr" sz="quarter" idx="11"/>
+          </p:nvPr>
+        </p:nvSpPr>
+        <p:spPr/>
+        <p:txBody>
+          <a:bodyPr/>
+          <a:lstStyle/>
+          <a:p>
+            <a:endParaRPr lang="en-US"/>
+          </a:p>
+        </p:txBody>
+      </p:sp>
+      <p:sp>
+        <p:nvSpPr>
+          <p:cNvPr id="7" name="Slide Number Placeholder 6"/>
+          <p:cNvSpPr>
+            <a:spLocks noGrp="1"/>
+          </p:cNvSpPr>
+          <p:nvPr>
+            <p:ph type="sldNum" sz="quarter" idx="12"/>
+          </p:nvPr>
+        </p:nvSpPr>
+        <p:spPr/>
+        <p:txBody>
+          <a:bodyPr/>
+          <a:lstStyle/>
+          <a:p>
+            <a:fld id="{9B618960-8005-486C-9A75-10CB2AAC16F9}" type="slidenum">
+              <a:rPr lang="en-US" smtClean="0"/>
+              <a:t>‹#›</a:t>
+            </a:fld>
+            <a:endParaRPr lang="en-US"/>
           </a:p>
         </p:txBody>
       </p:sp>
     </p:spTree>
     <p:extLst>
       <p:ext uri="{BB962C8B-B14F-4D97-AF65-F5344CB8AC3E}">
-        <p14:creationId xmlns:p14="http://schemas.microsoft.com/office/powerpoint/2010/main" val="443600280"/>
+        <p14:creationId xmlns:p14="http://schemas.microsoft.com/office/powerpoint/2010/main" val="208129256"/>
       </p:ext>
     </p:extLst>
   </p:cSld>
   <p:clrMapOvr>
     <a:masterClrMapping/>
   </p:clrMapOvr>
+  <p:timing>
+    <p:tnLst>
+      <p:par>
+        <p:cTn id="1" dur="indefinite" restart="never" nodeType="tmRoot"/>
+      </p:par>
+    </p:tnLst>
+  </p:timing>
 </p:sldLayout>
 </file>
 
-<file path=ppt/slideLayouts/slideLayout6.xml><?xml version="1.0" encoding="utf-8"?>
+<file path=ppt/slideLayouts/slideLayout7.xml><?xml version="1.0" encoding="utf-8"?>
+<p:sldLayout xmlns:a="http://schemas.openxmlformats.org/drawingml/2006/main" xmlns:r="http://schemas.openxmlformats.org/officeDocument/2006/relationships" xmlns:p="http://schemas.openxmlformats.org/presentationml/2006/main" preserve="1" userDrawn="1">
+  <p:cSld name="2_Picture with Caption">
+    <p:spTree>
+      <p:nvGrpSpPr>
+        <p:cNvPr id="1" name=""/>
+        <p:cNvGrpSpPr/>
+        <p:nvPr/>
+      </p:nvGrpSpPr>
+      <p:grpSpPr>
+        <a:xfrm>
+          <a:off x="0" y="0"/>
+          <a:ext cx="0" cy="0"/>
+          <a:chOff x="0" y="0"/>
+          <a:chExt cx="0" cy="0"/>
+        </a:xfrm>
+      </p:grpSpPr>
+      <p:sp>
+        <p:nvSpPr>
+          <p:cNvPr id="2" name="Title 1"/>
+          <p:cNvSpPr>
+            <a:spLocks noGrp="1"/>
+          </p:cNvSpPr>
+          <p:nvPr>
+            <p:ph type="title"/>
+          </p:nvPr>
+        </p:nvSpPr>
+        <p:spPr>
+          <a:xfrm>
+            <a:off x="2066798" y="115579"/>
+            <a:ext cx="7645451" cy="925359"/>
+          </a:xfrm>
+        </p:spPr>
+        <p:txBody>
+          <a:bodyPr anchor="b"/>
+          <a:lstStyle>
+            <a:lvl1pPr>
+              <a:defRPr sz="3200"/>
+            </a:lvl1pPr>
+          </a:lstStyle>
+          <a:p>
+            <a:r>
+              <a:rPr lang="en-US" dirty="0"/>
+              <a:t>Click to edit Master title style</a:t>
+            </a:r>
+          </a:p>
+        </p:txBody>
+      </p:sp>
+      <p:sp>
+        <p:nvSpPr>
+          <p:cNvPr id="3" name="Picture Placeholder 2"/>
+          <p:cNvSpPr>
+            <a:spLocks noGrp="1"/>
+          </p:cNvSpPr>
+          <p:nvPr>
+            <p:ph type="pic" idx="1"/>
+          </p:nvPr>
+        </p:nvSpPr>
+        <p:spPr>
+          <a:xfrm>
+            <a:off x="71284" y="1147813"/>
+            <a:ext cx="5631426" cy="3237374"/>
+          </a:xfrm>
+        </p:spPr>
+        <p:txBody>
+          <a:bodyPr/>
+          <a:lstStyle>
+            <a:lvl1pPr marL="0" indent="0">
+              <a:buNone/>
+              <a:defRPr sz="3200"/>
+            </a:lvl1pPr>
+            <a:lvl2pPr marL="457200" indent="0">
+              <a:buNone/>
+              <a:defRPr sz="2800"/>
+            </a:lvl2pPr>
+            <a:lvl3pPr marL="914400" indent="0">
+              <a:buNone/>
+              <a:defRPr sz="2400"/>
+            </a:lvl3pPr>
+            <a:lvl4pPr marL="1371600" indent="0">
+              <a:buNone/>
+              <a:defRPr sz="2000"/>
+            </a:lvl4pPr>
+            <a:lvl5pPr marL="1828800" indent="0">
+              <a:buNone/>
+              <a:defRPr sz="2000"/>
+            </a:lvl5pPr>
+            <a:lvl6pPr marL="2286000" indent="0">
+              <a:buNone/>
+              <a:defRPr sz="2000"/>
+            </a:lvl6pPr>
+            <a:lvl7pPr marL="2743200" indent="0">
+              <a:buNone/>
+              <a:defRPr sz="2000"/>
+            </a:lvl7pPr>
+            <a:lvl8pPr marL="3200400" indent="0">
+              <a:buNone/>
+              <a:defRPr sz="2000"/>
+            </a:lvl8pPr>
+            <a:lvl9pPr marL="3657600" indent="0">
+              <a:buNone/>
+              <a:defRPr sz="2000"/>
+            </a:lvl9pPr>
+          </a:lstStyle>
+          <a:p>
+            <a:endParaRPr lang="en-US" dirty="0"/>
+          </a:p>
+        </p:txBody>
+      </p:sp>
+      <p:sp>
+        <p:nvSpPr>
+          <p:cNvPr id="5" name="Date Placeholder 4"/>
+          <p:cNvSpPr>
+            <a:spLocks noGrp="1"/>
+          </p:cNvSpPr>
+          <p:nvPr>
+            <p:ph type="dt" sz="half" idx="10"/>
+          </p:nvPr>
+        </p:nvSpPr>
+        <p:spPr/>
+        <p:txBody>
+          <a:bodyPr/>
+          <a:lstStyle/>
+          <a:p>
+            <a:fld id="{63A1C593-65D0-4073-BCC9-577B9352EA97}" type="datetimeFigureOut">
+              <a:rPr lang="en-US" smtClean="0"/>
+              <a:t>6/29/2021</a:t>
+            </a:fld>
+            <a:endParaRPr lang="en-US"/>
+          </a:p>
+        </p:txBody>
+      </p:sp>
+      <p:sp>
+        <p:nvSpPr>
+          <p:cNvPr id="6" name="Footer Placeholder 5"/>
+          <p:cNvSpPr>
+            <a:spLocks noGrp="1"/>
+          </p:cNvSpPr>
+          <p:nvPr>
+            <p:ph type="ftr" sz="quarter" idx="11"/>
+          </p:nvPr>
+        </p:nvSpPr>
+        <p:spPr/>
+        <p:txBody>
+          <a:bodyPr/>
+          <a:lstStyle/>
+          <a:p>
+            <a:endParaRPr lang="en-US"/>
+          </a:p>
+        </p:txBody>
+      </p:sp>
+      <p:sp>
+        <p:nvSpPr>
+          <p:cNvPr id="7" name="Slide Number Placeholder 6"/>
+          <p:cNvSpPr>
+            <a:spLocks noGrp="1"/>
+          </p:cNvSpPr>
+          <p:nvPr>
+            <p:ph type="sldNum" sz="quarter" idx="12"/>
+          </p:nvPr>
+        </p:nvSpPr>
+        <p:spPr/>
+        <p:txBody>
+          <a:bodyPr/>
+          <a:lstStyle/>
+          <a:p>
+            <a:fld id="{9B618960-8005-486C-9A75-10CB2AAC16F9}" type="slidenum">
+              <a:rPr lang="en-US" smtClean="0"/>
+              <a:t>‹#›</a:t>
+            </a:fld>
+            <a:endParaRPr lang="en-US"/>
+          </a:p>
+        </p:txBody>
+      </p:sp>
+      <p:sp>
+        <p:nvSpPr>
+          <p:cNvPr id="8" name="Picture Placeholder 2">
+            <a:extLst>
+              <a:ext uri="{FF2B5EF4-FFF2-40B4-BE49-F238E27FC236}">
+                <a16:creationId xmlns="" xmlns:a16="http://schemas.microsoft.com/office/drawing/2014/main" id="{9638C604-CEDC-4286-8EE1-2B03B5A13FD1}"/>
+              </a:ext>
+            </a:extLst>
+          </p:cNvPr>
+          <p:cNvSpPr>
+            <a:spLocks noGrp="1"/>
+          </p:cNvSpPr>
+          <p:nvPr>
+            <p:ph type="pic" idx="13"/>
+          </p:nvPr>
+        </p:nvSpPr>
+        <p:spPr>
+          <a:xfrm>
+            <a:off x="5889524" y="2905227"/>
+            <a:ext cx="5956764" cy="3237373"/>
+          </a:xfrm>
+        </p:spPr>
+        <p:txBody>
+          <a:bodyPr/>
+          <a:lstStyle>
+            <a:lvl1pPr marL="0" indent="0">
+              <a:buNone/>
+              <a:defRPr sz="3200"/>
+            </a:lvl1pPr>
+            <a:lvl2pPr marL="457200" indent="0">
+              <a:buNone/>
+              <a:defRPr sz="2800"/>
+            </a:lvl2pPr>
+            <a:lvl3pPr marL="914400" indent="0">
+              <a:buNone/>
+              <a:defRPr sz="2400"/>
+            </a:lvl3pPr>
+            <a:lvl4pPr marL="1371600" indent="0">
+              <a:buNone/>
+              <a:defRPr sz="2000"/>
+            </a:lvl4pPr>
+            <a:lvl5pPr marL="1828800" indent="0">
+              <a:buNone/>
+              <a:defRPr sz="2000"/>
+            </a:lvl5pPr>
+            <a:lvl6pPr marL="2286000" indent="0">
+              <a:buNone/>
+              <a:defRPr sz="2000"/>
+            </a:lvl6pPr>
+            <a:lvl7pPr marL="2743200" indent="0">
+              <a:buNone/>
+              <a:defRPr sz="2000"/>
+            </a:lvl7pPr>
+            <a:lvl8pPr marL="3200400" indent="0">
+              <a:buNone/>
+              <a:defRPr sz="2000"/>
+            </a:lvl8pPr>
+            <a:lvl9pPr marL="3657600" indent="0">
+              <a:buNone/>
+              <a:defRPr sz="2000"/>
+            </a:lvl9pPr>
+          </a:lstStyle>
+          <a:p>
+            <a:endParaRPr lang="en-US" dirty="0"/>
+          </a:p>
+        </p:txBody>
+      </p:sp>
+    </p:spTree>
+    <p:extLst>
+      <p:ext uri="{BB962C8B-B14F-4D97-AF65-F5344CB8AC3E}">
+        <p14:creationId xmlns:p14="http://schemas.microsoft.com/office/powerpoint/2010/main" val="1768837003"/>
+      </p:ext>
+    </p:extLst>
+  </p:cSld>
+  <p:clrMapOvr>
+    <a:masterClrMapping/>
+  </p:clrMapOvr>
+  <p:timing>
+    <p:tnLst>
+      <p:par>
+        <p:cTn id="1" dur="indefinite" restart="never" nodeType="tmRoot"/>
+      </p:par>
+    </p:tnLst>
+  </p:timing>
+</p:sldLayout>
+</file>
+
+<file path=ppt/slideLayouts/slideLayout8.xml><?xml version="1.0" encoding="utf-8"?>
 <p:sldLayout xmlns:a="http://schemas.openxmlformats.org/drawingml/2006/main" xmlns:r="http://schemas.openxmlformats.org/officeDocument/2006/relationships" xmlns:p="http://schemas.openxmlformats.org/presentationml/2006/main" preserve="1" userDrawn="1">
   <p:cSld name="Custom Layout">
     <p:spTree>
@@ -1127,7 +1589,7 @@
           <p:cNvPr id="3" name="Date Placeholder 2">
             <a:extLst>
               <a:ext uri="{FF2B5EF4-FFF2-40B4-BE49-F238E27FC236}">
-                <a16:creationId xmlns:a16="http://schemas.microsoft.com/office/drawing/2014/main" id="{3E277CFA-C57E-4F7C-A474-A868BCD6360F}"/>
+                <a16:creationId xmlns="" xmlns:a16="http://schemas.microsoft.com/office/drawing/2014/main" id="{3E277CFA-C57E-4F7C-A474-A868BCD6360F}"/>
               </a:ext>
             </a:extLst>
           </p:cNvPr>
@@ -1145,7 +1607,7 @@
           <a:p>
             <a:fld id="{18E39B94-993D-4DCE-8660-BFC342D3B26B}" type="datetimeFigureOut">
               <a:rPr lang="en-IN" smtClean="0"/>
-              <a:t>14-06-2021</a:t>
+              <a:t>29-06-2021</a:t>
             </a:fld>
             <a:endParaRPr lang="en-IN"/>
           </a:p>
@@ -1156,7 +1618,7 @@
           <p:cNvPr id="4" name="Footer Placeholder 3">
             <a:extLst>
               <a:ext uri="{FF2B5EF4-FFF2-40B4-BE49-F238E27FC236}">
-                <a16:creationId xmlns:a16="http://schemas.microsoft.com/office/drawing/2014/main" id="{02EE924C-7FDB-4140-A915-B349794BE598}"/>
+                <a16:creationId xmlns="" xmlns:a16="http://schemas.microsoft.com/office/drawing/2014/main" id="{02EE924C-7FDB-4140-A915-B349794BE598}"/>
               </a:ext>
             </a:extLst>
           </p:cNvPr>
@@ -1181,7 +1643,7 @@
           <p:cNvPr id="5" name="Slide Number Placeholder 4">
             <a:extLst>
               <a:ext uri="{FF2B5EF4-FFF2-40B4-BE49-F238E27FC236}">
-                <a16:creationId xmlns:a16="http://schemas.microsoft.com/office/drawing/2014/main" id="{1063F2B2-8DB6-4A03-A90C-12CBFA914732}"/>
+                <a16:creationId xmlns="" xmlns:a16="http://schemas.microsoft.com/office/drawing/2014/main" id="{1063F2B2-8DB6-4A03-A90C-12CBFA914732}"/>
               </a:ext>
             </a:extLst>
           </p:cNvPr>
@@ -1210,7 +1672,7 @@
           <p:cNvPr id="7" name="Text Placeholder 6">
             <a:extLst>
               <a:ext uri="{FF2B5EF4-FFF2-40B4-BE49-F238E27FC236}">
-                <a16:creationId xmlns:a16="http://schemas.microsoft.com/office/drawing/2014/main" id="{B72C0071-95D3-451D-999D-3866DC9C00C3}"/>
+                <a16:creationId xmlns="" xmlns:a16="http://schemas.microsoft.com/office/drawing/2014/main" id="{B72C0071-95D3-451D-999D-3866DC9C00C3}"/>
               </a:ext>
             </a:extLst>
           </p:cNvPr>
@@ -1223,8 +1685,8 @@
         </p:nvSpPr>
         <p:spPr>
           <a:xfrm>
-            <a:off x="334963" y="944563"/>
-            <a:ext cx="5259592" cy="4806950"/>
+            <a:off x="334963" y="944562"/>
+            <a:ext cx="5259592" cy="4895799"/>
           </a:xfrm>
         </p:spPr>
         <p:txBody>
@@ -1273,7 +1735,7 @@
           <p:cNvPr id="9" name="Chart Placeholder 8">
             <a:extLst>
               <a:ext uri="{FF2B5EF4-FFF2-40B4-BE49-F238E27FC236}">
-                <a16:creationId xmlns:a16="http://schemas.microsoft.com/office/drawing/2014/main" id="{AF5F7AA0-2D5D-4689-BAAE-30DFC8B259A0}"/>
+                <a16:creationId xmlns="" xmlns:a16="http://schemas.microsoft.com/office/drawing/2014/main" id="{AF5F7AA0-2D5D-4689-BAAE-30DFC8B259A0}"/>
               </a:ext>
             </a:extLst>
           </p:cNvPr>
@@ -1286,8 +1748,8 @@
         </p:nvSpPr>
         <p:spPr>
           <a:xfrm>
-            <a:off x="5594555" y="944564"/>
-            <a:ext cx="6372020" cy="4895798"/>
+            <a:off x="5746375" y="944564"/>
+            <a:ext cx="6220199" cy="4895798"/>
           </a:xfrm>
         </p:spPr>
         <p:txBody>
@@ -1301,13 +1763,20 @@
     </p:spTree>
     <p:extLst>
       <p:ext uri="{BB962C8B-B14F-4D97-AF65-F5344CB8AC3E}">
-        <p14:creationId xmlns:p14="http://schemas.microsoft.com/office/powerpoint/2010/main" val="2225889723"/>
+        <p14:creationId xmlns:p14="http://schemas.microsoft.com/office/powerpoint/2010/main" val="3906341727"/>
       </p:ext>
     </p:extLst>
   </p:cSld>
   <p:clrMapOvr>
     <a:masterClrMapping/>
   </p:clrMapOvr>
+  <p:timing>
+    <p:tnLst>
+      <p:par>
+        <p:cTn id="1" dur="indefinite" restart="never" nodeType="tmRoot"/>
+      </p:par>
+    </p:tnLst>
+  </p:timing>
 </p:sldLayout>
 </file>
 
@@ -1315,9 +1784,12 @@
 <p:sldMaster xmlns:a="http://schemas.openxmlformats.org/drawingml/2006/main" xmlns:r="http://schemas.openxmlformats.org/officeDocument/2006/relationships" xmlns:p="http://schemas.openxmlformats.org/presentationml/2006/main">
   <p:cSld>
     <p:bg>
-      <p:bgRef idx="1001">
-        <a:schemeClr val="bg1"/>
-      </p:bgRef>
+      <p:bgPr>
+        <a:solidFill>
+          <a:schemeClr val="bg1"/>
+        </a:solidFill>
+        <a:effectLst/>
+      </p:bgPr>
     </p:bg>
     <p:spTree>
       <p:nvGrpSpPr>
@@ -1359,10 +1831,9 @@
           <a:lstStyle/>
           <a:p>
             <a:r>
-              <a:rPr lang="en-US"/>
+              <a:rPr lang="en-US" dirty="0"/>
               <a:t>Click to edit Master title style</a:t>
             </a:r>
-            <a:endParaRPr lang="en-IN"/>
           </a:p>
         </p:txBody>
       </p:sp>
@@ -1424,7 +1895,6 @@
               <a:rPr lang="en-US"/>
               <a:t>Fifth level</a:t>
             </a:r>
-            <a:endParaRPr lang="en-IN"/>
           </a:p>
         </p:txBody>
       </p:sp>
@@ -1461,11 +1931,11 @@
             </a:lvl1pPr>
           </a:lstStyle>
           <a:p>
-            <a:fld id="{3B6260DF-57CB-4FAC-BA45-2356FBD50F32}" type="datetimeFigureOut">
-              <a:rPr lang="en-IN" smtClean="0"/>
-              <a:t>14-06-2021</a:t>
+            <a:fld id="{63A1C593-65D0-4073-BCC9-577B9352EA97}" type="datetimeFigureOut">
+              <a:rPr lang="en-US" smtClean="0"/>
+              <a:t>6/29/2021</a:t>
             </a:fld>
-            <a:endParaRPr lang="en-IN"/>
+            <a:endParaRPr lang="en-US"/>
           </a:p>
         </p:txBody>
       </p:sp>
@@ -1502,7 +1972,7 @@
             </a:lvl1pPr>
           </a:lstStyle>
           <a:p>
-            <a:endParaRPr lang="en-IN"/>
+            <a:endParaRPr lang="en-US"/>
           </a:p>
         </p:txBody>
       </p:sp>
@@ -1539,20 +2009,15 @@
             </a:lvl1pPr>
           </a:lstStyle>
           <a:p>
-            <a:fld id="{2C316018-F840-4B40-9678-34BD618CC97B}" type="slidenum">
-              <a:rPr lang="en-IN" smtClean="0"/>
+            <a:fld id="{9B618960-8005-486C-9A75-10CB2AAC16F9}" type="slidenum">
+              <a:rPr lang="en-US" smtClean="0"/>
               <a:t>‹#›</a:t>
             </a:fld>
-            <a:endParaRPr lang="en-IN"/>
+            <a:endParaRPr lang="en-US"/>
           </a:p>
         </p:txBody>
       </p:sp>
     </p:spTree>
-    <p:extLst>
-      <p:ext uri="{BB962C8B-B14F-4D97-AF65-F5344CB8AC3E}">
-        <p14:creationId xmlns:p14="http://schemas.microsoft.com/office/powerpoint/2010/main" val="1734181333"/>
-      </p:ext>
-    </p:extLst>
   </p:cSld>
   <p:clrMap bg1="lt1" tx1="dk1" bg2="lt2" tx2="dk2" accent1="accent1" accent2="accent2" accent3="accent3" accent4="accent4" accent5="accent5" accent6="accent6" hlink="hlink" folHlink="folHlink"/>
   <p:sldLayoutIdLst>
@@ -1561,11 +2026,20 @@
     <p:sldLayoutId id="2147483652" r:id="rId3"/>
     <p:sldLayoutId id="2147483655" r:id="rId4"/>
     <p:sldLayoutId id="2147483657" r:id="rId5"/>
-    <p:sldLayoutId id="2147483658" r:id="rId6"/>
+    <p:sldLayoutId id="2147483660" r:id="rId6"/>
+    <p:sldLayoutId id="2147483661" r:id="rId7"/>
+    <p:sldLayoutId id="2147483659" r:id="rId8"/>
   </p:sldLayoutIdLst>
+  <p:timing>
+    <p:tnLst>
+      <p:par>
+        <p:cTn id="1" dur="indefinite" restart="never" nodeType="tmRoot"/>
+      </p:par>
+    </p:tnLst>
+  </p:timing>
   <p:txStyles>
     <p:titleStyle>
-      <a:lvl1pPr algn="l" defTabSz="914400" rtl="0" eaLnBrk="1" latinLnBrk="0" hangingPunct="1">
+      <a:lvl1pPr algn="ctr" defTabSz="914400" rtl="0" eaLnBrk="1" latinLnBrk="0" hangingPunct="1">
         <a:lnSpc>
           <a:spcPct val="90000"/>
         </a:lnSpc>
@@ -1573,7 +2047,7 @@
           <a:spcPct val="0"/>
         </a:spcBef>
         <a:buNone/>
-        <a:defRPr sz="4400" kern="1200">
+        <a:defRPr sz="4400" kern="1200" cap="all" baseline="0">
           <a:solidFill>
             <a:schemeClr val="tx1"/>
           </a:solidFill>
@@ -1889,7 +2363,7 @@
     </a:clrScheme>
     <a:fontScheme name="Office">
       <a:majorFont>
-        <a:latin typeface="Calibri Light" panose="020F0302020204030204"/>
+        <a:latin typeface="Calibri Light"/>
         <a:ea typeface=""/>
         <a:cs typeface=""/>
         <a:font script="Jpan" typeface="ＭＳ Ｐゴシック"/>
@@ -1924,7 +2398,7 @@
         <a:font script="Geor" typeface="Sylfaen"/>
       </a:majorFont>
       <a:minorFont>
-        <a:latin typeface="Calibri" panose="020F0502020204030204"/>
+        <a:latin typeface="Calibri"/>
         <a:ea typeface=""/>
         <a:cs typeface=""/>
         <a:font script="Jpan" typeface="ＭＳ Ｐゴシック"/>
